--- a/spring20/assignment06/assignment06 - Part 1 - The Problem.pptx
+++ b/spring20/assignment06/assignment06 - Part 1 - The Problem.pptx
@@ -366,7 +366,7 @@
           <a:p>
             <a:fld id="{15852C32-BF6D-42C7-AA17-01587176C3BE}" type="datetimeFigureOut">
               <a:rPr lang="en-US" smtClean="0"/>
-              <a:t>4/14/2020</a:t>
+              <a:t>4/16/2020</a:t>
             </a:fld>
             <a:endParaRPr lang="en-US"/>
           </a:p>
@@ -574,7 +574,7 @@
           <a:p>
             <a:fld id="{15852C32-BF6D-42C7-AA17-01587176C3BE}" type="datetimeFigureOut">
               <a:rPr lang="en-US" smtClean="0"/>
-              <a:t>4/14/2020</a:t>
+              <a:t>4/16/2020</a:t>
             </a:fld>
             <a:endParaRPr lang="en-US"/>
           </a:p>
@@ -830,7 +830,7 @@
           <a:p>
             <a:fld id="{15852C32-BF6D-42C7-AA17-01587176C3BE}" type="datetimeFigureOut">
               <a:rPr lang="en-US" smtClean="0"/>
-              <a:t>4/14/2020</a:t>
+              <a:t>4/16/2020</a:t>
             </a:fld>
             <a:endParaRPr lang="en-US"/>
           </a:p>
@@ -1000,7 +1000,7 @@
           <a:p>
             <a:fld id="{15852C32-BF6D-42C7-AA17-01587176C3BE}" type="datetimeFigureOut">
               <a:rPr lang="en-US" smtClean="0"/>
-              <a:t>4/14/2020</a:t>
+              <a:t>4/16/2020</a:t>
             </a:fld>
             <a:endParaRPr lang="en-US"/>
           </a:p>
@@ -1343,7 +1343,7 @@
           <a:p>
             <a:fld id="{15852C32-BF6D-42C7-AA17-01587176C3BE}" type="datetimeFigureOut">
               <a:rPr lang="en-US" smtClean="0"/>
-              <a:t>4/14/2020</a:t>
+              <a:t>4/16/2020</a:t>
             </a:fld>
             <a:endParaRPr lang="en-US"/>
           </a:p>
@@ -1618,7 +1618,7 @@
           <a:p>
             <a:fld id="{15852C32-BF6D-42C7-AA17-01587176C3BE}" type="datetimeFigureOut">
               <a:rPr lang="en-US" smtClean="0"/>
-              <a:t>4/14/2020</a:t>
+              <a:t>4/16/2020</a:t>
             </a:fld>
             <a:endParaRPr lang="en-US"/>
           </a:p>
@@ -1997,7 +1997,7 @@
           <a:p>
             <a:fld id="{15852C32-BF6D-42C7-AA17-01587176C3BE}" type="datetimeFigureOut">
               <a:rPr lang="en-US" smtClean="0"/>
-              <a:t>4/14/2020</a:t>
+              <a:t>4/16/2020</a:t>
             </a:fld>
             <a:endParaRPr lang="en-US"/>
           </a:p>
@@ -2115,7 +2115,7 @@
           <a:p>
             <a:fld id="{15852C32-BF6D-42C7-AA17-01587176C3BE}" type="datetimeFigureOut">
               <a:rPr lang="en-US" smtClean="0"/>
-              <a:t>4/14/2020</a:t>
+              <a:t>4/16/2020</a:t>
             </a:fld>
             <a:endParaRPr lang="en-US"/>
           </a:p>
@@ -2286,7 +2286,7 @@
           <a:p>
             <a:fld id="{15852C32-BF6D-42C7-AA17-01587176C3BE}" type="datetimeFigureOut">
               <a:rPr lang="en-US" smtClean="0"/>
-              <a:t>4/14/2020</a:t>
+              <a:t>4/16/2020</a:t>
             </a:fld>
             <a:endParaRPr lang="en-US"/>
           </a:p>
@@ -2640,7 +2640,7 @@
           <a:p>
             <a:fld id="{15852C32-BF6D-42C7-AA17-01587176C3BE}" type="datetimeFigureOut">
               <a:rPr lang="en-US" smtClean="0"/>
-              <a:t>4/14/2020</a:t>
+              <a:t>4/16/2020</a:t>
             </a:fld>
             <a:endParaRPr lang="en-US"/>
           </a:p>
@@ -3017,7 +3017,7 @@
           <a:p>
             <a:fld id="{15852C32-BF6D-42C7-AA17-01587176C3BE}" type="datetimeFigureOut">
               <a:rPr lang="en-US" smtClean="0"/>
-              <a:t>4/14/2020</a:t>
+              <a:t>4/16/2020</a:t>
             </a:fld>
             <a:endParaRPr lang="en-US"/>
           </a:p>
@@ -3304,7 +3304,7 @@
           <a:p>
             <a:fld id="{15852C32-BF6D-42C7-AA17-01587176C3BE}" type="datetimeFigureOut">
               <a:rPr lang="en-US" smtClean="0"/>
-              <a:t>4/14/2020</a:t>
+              <a:t>4/16/2020</a:t>
             </a:fld>
             <a:endParaRPr lang="en-US"/>
           </a:p>
@@ -5698,6 +5698,14 @@
               <a:t>Also, let’s store it backward! We will see more about this when we review addition in the next section.</a:t>
             </a:r>
           </a:p>
+          <a:p>
+            <a:pPr marL="0" indent="0">
+              <a:buNone/>
+            </a:pPr>
+            <a:endParaRPr lang="en-US" dirty="0">
+              <a:latin typeface="Consolas" panose="020B0609020204030204" pitchFamily="49" charset="0"/>
+            </a:endParaRPr>
+          </a:p>
         </p:txBody>
       </p:sp>
       <p:pic>
@@ -6579,7 +6587,7 @@
               <a:rPr lang="en-US" sz="1400" dirty="0">
                 <a:latin typeface="Consolas" panose="020B0609020204030204" pitchFamily="49" charset="0"/>
               </a:rPr>
-              <a:t>(value).reverse());</a:t>
+              <a:t>(value).reverse());   </a:t>
             </a:r>
           </a:p>
           <a:p>
